--- a/ppt 16-9/0234.爱的道路.pptx
+++ b/ppt 16-9/0234.爱的道路.pptx
@@ -5,7 +5,7 @@
     <p:sldMasterId id="2147483648" r:id="rId1"/>
   </p:sldMasterIdLst>
   <p:sldIdLst>
-    <p:sldId id="3064" r:id="rId2"/>
+    <p:sldId id="3065" r:id="rId2"/>
   </p:sldIdLst>
   <p:sldSz cx="12192000" cy="6858000"/>
   <p:notesSz cx="6858000" cy="9144000"/>
@@ -129,7 +129,7 @@
           <p:cNvPr id="2" name="标题 1">
             <a:extLst>
               <a:ext uri="{FF2B5EF4-FFF2-40B4-BE49-F238E27FC236}">
-                <a16:creationId xmlns:a16="http://schemas.microsoft.com/office/drawing/2014/main" id="{814068B6-50EE-78E2-6D72-A59F7906343D}"/>
+                <a16:creationId xmlns:a16="http://schemas.microsoft.com/office/drawing/2014/main" id="{3F759A45-95C8-8478-220C-4575917E27C9}"/>
               </a:ext>
             </a:extLst>
           </p:cNvPr>
@@ -166,7 +166,7 @@
           <p:cNvPr id="3" name="副标题 2">
             <a:extLst>
               <a:ext uri="{FF2B5EF4-FFF2-40B4-BE49-F238E27FC236}">
-                <a16:creationId xmlns:a16="http://schemas.microsoft.com/office/drawing/2014/main" id="{488A4189-CEA4-BC16-9C58-486E90396357}"/>
+                <a16:creationId xmlns:a16="http://schemas.microsoft.com/office/drawing/2014/main" id="{C40E42DC-F63C-44F5-29AF-F7F3FAF45BBB}"/>
               </a:ext>
             </a:extLst>
           </p:cNvPr>
@@ -236,7 +236,7 @@
           <p:cNvPr id="4" name="日期占位符 3">
             <a:extLst>
               <a:ext uri="{FF2B5EF4-FFF2-40B4-BE49-F238E27FC236}">
-                <a16:creationId xmlns:a16="http://schemas.microsoft.com/office/drawing/2014/main" id="{88B15DAE-5C38-BF04-C4EA-CBE2D239D463}"/>
+                <a16:creationId xmlns:a16="http://schemas.microsoft.com/office/drawing/2014/main" id="{4A47EDA1-E762-5B54-89F2-FF9F9E9004AD}"/>
               </a:ext>
             </a:extLst>
           </p:cNvPr>
@@ -252,7 +252,7 @@
           <a:bodyPr/>
           <a:lstStyle/>
           <a:p>
-            <a:fld id="{367FFC87-98CC-4447-8D56-307C423BCD1F}" type="datetimeFigureOut">
+            <a:fld id="{F0B1F429-D2AF-4B77-9ABD-FCFBC2150F79}" type="datetimeFigureOut">
               <a:rPr lang="zh-CN" altLang="en-US" smtClean="0"/>
               <a:t>2024/3/10</a:t>
             </a:fld>
@@ -265,7 +265,7 @@
           <p:cNvPr id="5" name="页脚占位符 4">
             <a:extLst>
               <a:ext uri="{FF2B5EF4-FFF2-40B4-BE49-F238E27FC236}">
-                <a16:creationId xmlns:a16="http://schemas.microsoft.com/office/drawing/2014/main" id="{766E8709-F91F-449D-3322-75038B1D960C}"/>
+                <a16:creationId xmlns:a16="http://schemas.microsoft.com/office/drawing/2014/main" id="{34EAB597-A7CC-6BB8-2DE3-E6418CF8D0F1}"/>
               </a:ext>
             </a:extLst>
           </p:cNvPr>
@@ -290,7 +290,7 @@
           <p:cNvPr id="6" name="灯片编号占位符 5">
             <a:extLst>
               <a:ext uri="{FF2B5EF4-FFF2-40B4-BE49-F238E27FC236}">
-                <a16:creationId xmlns:a16="http://schemas.microsoft.com/office/drawing/2014/main" id="{DF5B5238-99ED-B08E-A5AE-0836167CF538}"/>
+                <a16:creationId xmlns:a16="http://schemas.microsoft.com/office/drawing/2014/main" id="{21F85DDC-D306-5E2B-C0D4-F5EF53DA4F27}"/>
               </a:ext>
             </a:extLst>
           </p:cNvPr>
@@ -306,7 +306,7 @@
           <a:bodyPr/>
           <a:lstStyle/>
           <a:p>
-            <a:fld id="{AB52CD0E-C3C4-440E-98A7-FF8B00F5F7BE}" type="slidenum">
+            <a:fld id="{CCDA8E74-FFEF-4BFD-A2E1-F82057340D12}" type="slidenum">
               <a:rPr lang="zh-CN" altLang="en-US" smtClean="0"/>
               <a:t>‹#›</a:t>
             </a:fld>
@@ -317,7 +317,7 @@
     </p:spTree>
     <p:extLst>
       <p:ext uri="{BB962C8B-B14F-4D97-AF65-F5344CB8AC3E}">
-        <p14:creationId xmlns:p14="http://schemas.microsoft.com/office/powerpoint/2010/main" val="815127982"/>
+        <p14:creationId xmlns:p14="http://schemas.microsoft.com/office/powerpoint/2010/main" val="1988051092"/>
       </p:ext>
     </p:extLst>
   </p:cSld>
@@ -349,7 +349,7 @@
           <p:cNvPr id="2" name="标题 1">
             <a:extLst>
               <a:ext uri="{FF2B5EF4-FFF2-40B4-BE49-F238E27FC236}">
-                <a16:creationId xmlns:a16="http://schemas.microsoft.com/office/drawing/2014/main" id="{ECF02A5E-2B29-324F-33B1-EFC973EB15B2}"/>
+                <a16:creationId xmlns:a16="http://schemas.microsoft.com/office/drawing/2014/main" id="{566B4B64-0560-5962-45B2-39F5BC2C9714}"/>
               </a:ext>
             </a:extLst>
           </p:cNvPr>
@@ -377,7 +377,7 @@
           <p:cNvPr id="3" name="竖排文字占位符 2">
             <a:extLst>
               <a:ext uri="{FF2B5EF4-FFF2-40B4-BE49-F238E27FC236}">
-                <a16:creationId xmlns:a16="http://schemas.microsoft.com/office/drawing/2014/main" id="{194F8440-E6E0-8579-495F-0C59363B184E}"/>
+                <a16:creationId xmlns:a16="http://schemas.microsoft.com/office/drawing/2014/main" id="{F7BE8F24-40A2-8BB5-54EA-54F258A16B2F}"/>
               </a:ext>
             </a:extLst>
           </p:cNvPr>
@@ -434,7 +434,7 @@
           <p:cNvPr id="4" name="日期占位符 3">
             <a:extLst>
               <a:ext uri="{FF2B5EF4-FFF2-40B4-BE49-F238E27FC236}">
-                <a16:creationId xmlns:a16="http://schemas.microsoft.com/office/drawing/2014/main" id="{56D9968D-05CB-8B22-9002-618CCAC5F089}"/>
+                <a16:creationId xmlns:a16="http://schemas.microsoft.com/office/drawing/2014/main" id="{74AE81F2-F8D7-BF57-F146-6B1784286E5F}"/>
               </a:ext>
             </a:extLst>
           </p:cNvPr>
@@ -450,7 +450,7 @@
           <a:bodyPr/>
           <a:lstStyle/>
           <a:p>
-            <a:fld id="{367FFC87-98CC-4447-8D56-307C423BCD1F}" type="datetimeFigureOut">
+            <a:fld id="{F0B1F429-D2AF-4B77-9ABD-FCFBC2150F79}" type="datetimeFigureOut">
               <a:rPr lang="zh-CN" altLang="en-US" smtClean="0"/>
               <a:t>2024/3/10</a:t>
             </a:fld>
@@ -463,7 +463,7 @@
           <p:cNvPr id="5" name="页脚占位符 4">
             <a:extLst>
               <a:ext uri="{FF2B5EF4-FFF2-40B4-BE49-F238E27FC236}">
-                <a16:creationId xmlns:a16="http://schemas.microsoft.com/office/drawing/2014/main" id="{B10E8D88-83BF-616E-0AEB-AEB04700598B}"/>
+                <a16:creationId xmlns:a16="http://schemas.microsoft.com/office/drawing/2014/main" id="{2C1FCC27-B24F-CCC9-855D-88FE357E4C3B}"/>
               </a:ext>
             </a:extLst>
           </p:cNvPr>
@@ -488,7 +488,7 @@
           <p:cNvPr id="6" name="灯片编号占位符 5">
             <a:extLst>
               <a:ext uri="{FF2B5EF4-FFF2-40B4-BE49-F238E27FC236}">
-                <a16:creationId xmlns:a16="http://schemas.microsoft.com/office/drawing/2014/main" id="{6661E174-884A-F04C-7B6F-CE34F0D38158}"/>
+                <a16:creationId xmlns:a16="http://schemas.microsoft.com/office/drawing/2014/main" id="{01DF4CDE-9744-D299-AFDC-646A4D3A6AE7}"/>
               </a:ext>
             </a:extLst>
           </p:cNvPr>
@@ -504,7 +504,7 @@
           <a:bodyPr/>
           <a:lstStyle/>
           <a:p>
-            <a:fld id="{AB52CD0E-C3C4-440E-98A7-FF8B00F5F7BE}" type="slidenum">
+            <a:fld id="{CCDA8E74-FFEF-4BFD-A2E1-F82057340D12}" type="slidenum">
               <a:rPr lang="zh-CN" altLang="en-US" smtClean="0"/>
               <a:t>‹#›</a:t>
             </a:fld>
@@ -515,7 +515,7 @@
     </p:spTree>
     <p:extLst>
       <p:ext uri="{BB962C8B-B14F-4D97-AF65-F5344CB8AC3E}">
-        <p14:creationId xmlns:p14="http://schemas.microsoft.com/office/powerpoint/2010/main" val="2714556838"/>
+        <p14:creationId xmlns:p14="http://schemas.microsoft.com/office/powerpoint/2010/main" val="3690878326"/>
       </p:ext>
     </p:extLst>
   </p:cSld>
@@ -547,7 +547,7 @@
           <p:cNvPr id="2" name="竖排标题 1">
             <a:extLst>
               <a:ext uri="{FF2B5EF4-FFF2-40B4-BE49-F238E27FC236}">
-                <a16:creationId xmlns:a16="http://schemas.microsoft.com/office/drawing/2014/main" id="{7FE9A494-6E9A-DFF9-9A75-C5A3ADDFC64E}"/>
+                <a16:creationId xmlns:a16="http://schemas.microsoft.com/office/drawing/2014/main" id="{69201C50-8F8C-F8CC-10FD-FF2136D04E2D}"/>
               </a:ext>
             </a:extLst>
           </p:cNvPr>
@@ -580,7 +580,7 @@
           <p:cNvPr id="3" name="竖排文字占位符 2">
             <a:extLst>
               <a:ext uri="{FF2B5EF4-FFF2-40B4-BE49-F238E27FC236}">
-                <a16:creationId xmlns:a16="http://schemas.microsoft.com/office/drawing/2014/main" id="{BF742D15-F4AA-6713-F5A8-A0C7AF4A7597}"/>
+                <a16:creationId xmlns:a16="http://schemas.microsoft.com/office/drawing/2014/main" id="{6FEBCECC-7F15-46EE-813F-571947B6E772}"/>
               </a:ext>
             </a:extLst>
           </p:cNvPr>
@@ -642,7 +642,7 @@
           <p:cNvPr id="4" name="日期占位符 3">
             <a:extLst>
               <a:ext uri="{FF2B5EF4-FFF2-40B4-BE49-F238E27FC236}">
-                <a16:creationId xmlns:a16="http://schemas.microsoft.com/office/drawing/2014/main" id="{F2F5D48E-2BA0-6908-046A-84522DBD59A1}"/>
+                <a16:creationId xmlns:a16="http://schemas.microsoft.com/office/drawing/2014/main" id="{0046C4DE-C841-4B57-BE4A-5739097D74B7}"/>
               </a:ext>
             </a:extLst>
           </p:cNvPr>
@@ -658,7 +658,7 @@
           <a:bodyPr/>
           <a:lstStyle/>
           <a:p>
-            <a:fld id="{367FFC87-98CC-4447-8D56-307C423BCD1F}" type="datetimeFigureOut">
+            <a:fld id="{F0B1F429-D2AF-4B77-9ABD-FCFBC2150F79}" type="datetimeFigureOut">
               <a:rPr lang="zh-CN" altLang="en-US" smtClean="0"/>
               <a:t>2024/3/10</a:t>
             </a:fld>
@@ -671,7 +671,7 @@
           <p:cNvPr id="5" name="页脚占位符 4">
             <a:extLst>
               <a:ext uri="{FF2B5EF4-FFF2-40B4-BE49-F238E27FC236}">
-                <a16:creationId xmlns:a16="http://schemas.microsoft.com/office/drawing/2014/main" id="{E5E2B98D-DC74-466B-1DE9-7CEB12908D7B}"/>
+                <a16:creationId xmlns:a16="http://schemas.microsoft.com/office/drawing/2014/main" id="{0E532FAA-084A-D2FC-DB45-24497DFA921A}"/>
               </a:ext>
             </a:extLst>
           </p:cNvPr>
@@ -696,7 +696,7 @@
           <p:cNvPr id="6" name="灯片编号占位符 5">
             <a:extLst>
               <a:ext uri="{FF2B5EF4-FFF2-40B4-BE49-F238E27FC236}">
-                <a16:creationId xmlns:a16="http://schemas.microsoft.com/office/drawing/2014/main" id="{9F73BE32-7CB9-3FC9-735D-A2FAEAB8664B}"/>
+                <a16:creationId xmlns:a16="http://schemas.microsoft.com/office/drawing/2014/main" id="{A4590EDC-29D8-CE9A-D694-DB2F4E67F501}"/>
               </a:ext>
             </a:extLst>
           </p:cNvPr>
@@ -712,7 +712,7 @@
           <a:bodyPr/>
           <a:lstStyle/>
           <a:p>
-            <a:fld id="{AB52CD0E-C3C4-440E-98A7-FF8B00F5F7BE}" type="slidenum">
+            <a:fld id="{CCDA8E74-FFEF-4BFD-A2E1-F82057340D12}" type="slidenum">
               <a:rPr lang="zh-CN" altLang="en-US" smtClean="0"/>
               <a:t>‹#›</a:t>
             </a:fld>
@@ -723,7 +723,7 @@
     </p:spTree>
     <p:extLst>
       <p:ext uri="{BB962C8B-B14F-4D97-AF65-F5344CB8AC3E}">
-        <p14:creationId xmlns:p14="http://schemas.microsoft.com/office/powerpoint/2010/main" val="2259739222"/>
+        <p14:creationId xmlns:p14="http://schemas.microsoft.com/office/powerpoint/2010/main" val="2079031559"/>
       </p:ext>
     </p:extLst>
   </p:cSld>
@@ -755,7 +755,7 @@
           <p:cNvPr id="2" name="标题 1">
             <a:extLst>
               <a:ext uri="{FF2B5EF4-FFF2-40B4-BE49-F238E27FC236}">
-                <a16:creationId xmlns:a16="http://schemas.microsoft.com/office/drawing/2014/main" id="{FAB4217E-75E6-9902-3CD3-E665FF876566}"/>
+                <a16:creationId xmlns:a16="http://schemas.microsoft.com/office/drawing/2014/main" id="{4646784A-6F0E-A722-0694-DF459A88C032}"/>
               </a:ext>
             </a:extLst>
           </p:cNvPr>
@@ -783,7 +783,7 @@
           <p:cNvPr id="3" name="内容占位符 2">
             <a:extLst>
               <a:ext uri="{FF2B5EF4-FFF2-40B4-BE49-F238E27FC236}">
-                <a16:creationId xmlns:a16="http://schemas.microsoft.com/office/drawing/2014/main" id="{464D2D7D-E7AF-5BCE-F63E-FFB5A454DBAB}"/>
+                <a16:creationId xmlns:a16="http://schemas.microsoft.com/office/drawing/2014/main" id="{8A14EEC7-B4F7-3BC3-F93B-E82E30293907}"/>
               </a:ext>
             </a:extLst>
           </p:cNvPr>
@@ -840,7 +840,7 @@
           <p:cNvPr id="4" name="日期占位符 3">
             <a:extLst>
               <a:ext uri="{FF2B5EF4-FFF2-40B4-BE49-F238E27FC236}">
-                <a16:creationId xmlns:a16="http://schemas.microsoft.com/office/drawing/2014/main" id="{A1DDF582-90CC-76D1-A368-BF889147FC0A}"/>
+                <a16:creationId xmlns:a16="http://schemas.microsoft.com/office/drawing/2014/main" id="{AF576A2C-6AD2-28EE-6240-2FA6BD755648}"/>
               </a:ext>
             </a:extLst>
           </p:cNvPr>
@@ -856,7 +856,7 @@
           <a:bodyPr/>
           <a:lstStyle/>
           <a:p>
-            <a:fld id="{367FFC87-98CC-4447-8D56-307C423BCD1F}" type="datetimeFigureOut">
+            <a:fld id="{F0B1F429-D2AF-4B77-9ABD-FCFBC2150F79}" type="datetimeFigureOut">
               <a:rPr lang="zh-CN" altLang="en-US" smtClean="0"/>
               <a:t>2024/3/10</a:t>
             </a:fld>
@@ -869,7 +869,7 @@
           <p:cNvPr id="5" name="页脚占位符 4">
             <a:extLst>
               <a:ext uri="{FF2B5EF4-FFF2-40B4-BE49-F238E27FC236}">
-                <a16:creationId xmlns:a16="http://schemas.microsoft.com/office/drawing/2014/main" id="{FD0F9889-46CB-9E56-16D5-5C96A5469235}"/>
+                <a16:creationId xmlns:a16="http://schemas.microsoft.com/office/drawing/2014/main" id="{71C0ABE5-F424-2E6B-CADE-1122EA1EDD0B}"/>
               </a:ext>
             </a:extLst>
           </p:cNvPr>
@@ -894,7 +894,7 @@
           <p:cNvPr id="6" name="灯片编号占位符 5">
             <a:extLst>
               <a:ext uri="{FF2B5EF4-FFF2-40B4-BE49-F238E27FC236}">
-                <a16:creationId xmlns:a16="http://schemas.microsoft.com/office/drawing/2014/main" id="{800B3ACD-4947-9876-6898-2693D0276D00}"/>
+                <a16:creationId xmlns:a16="http://schemas.microsoft.com/office/drawing/2014/main" id="{E691FA71-5AC7-C072-ED3F-0011729B0C2E}"/>
               </a:ext>
             </a:extLst>
           </p:cNvPr>
@@ -910,7 +910,7 @@
           <a:bodyPr/>
           <a:lstStyle/>
           <a:p>
-            <a:fld id="{AB52CD0E-C3C4-440E-98A7-FF8B00F5F7BE}" type="slidenum">
+            <a:fld id="{CCDA8E74-FFEF-4BFD-A2E1-F82057340D12}" type="slidenum">
               <a:rPr lang="zh-CN" altLang="en-US" smtClean="0"/>
               <a:t>‹#›</a:t>
             </a:fld>
@@ -921,7 +921,7 @@
     </p:spTree>
     <p:extLst>
       <p:ext uri="{BB962C8B-B14F-4D97-AF65-F5344CB8AC3E}">
-        <p14:creationId xmlns:p14="http://schemas.microsoft.com/office/powerpoint/2010/main" val="436653564"/>
+        <p14:creationId xmlns:p14="http://schemas.microsoft.com/office/powerpoint/2010/main" val="2717175460"/>
       </p:ext>
     </p:extLst>
   </p:cSld>
@@ -953,7 +953,7 @@
           <p:cNvPr id="2" name="标题 1">
             <a:extLst>
               <a:ext uri="{FF2B5EF4-FFF2-40B4-BE49-F238E27FC236}">
-                <a16:creationId xmlns:a16="http://schemas.microsoft.com/office/drawing/2014/main" id="{1F3D6C88-A6E4-A3A3-50FA-AAFD498CF737}"/>
+                <a16:creationId xmlns:a16="http://schemas.microsoft.com/office/drawing/2014/main" id="{674309BC-9687-349C-E9D4-0A9A43B91721}"/>
               </a:ext>
             </a:extLst>
           </p:cNvPr>
@@ -990,7 +990,7 @@
           <p:cNvPr id="3" name="文本占位符 2">
             <a:extLst>
               <a:ext uri="{FF2B5EF4-FFF2-40B4-BE49-F238E27FC236}">
-                <a16:creationId xmlns:a16="http://schemas.microsoft.com/office/drawing/2014/main" id="{F2224129-B38E-0834-10E7-AAC9762FA802}"/>
+                <a16:creationId xmlns:a16="http://schemas.microsoft.com/office/drawing/2014/main" id="{C924CFB0-8D27-00E7-7AC5-334040C6054B}"/>
               </a:ext>
             </a:extLst>
           </p:cNvPr>
@@ -1115,7 +1115,7 @@
           <p:cNvPr id="4" name="日期占位符 3">
             <a:extLst>
               <a:ext uri="{FF2B5EF4-FFF2-40B4-BE49-F238E27FC236}">
-                <a16:creationId xmlns:a16="http://schemas.microsoft.com/office/drawing/2014/main" id="{F3695509-E62D-2D4E-192A-2E2A5F4AC968}"/>
+                <a16:creationId xmlns:a16="http://schemas.microsoft.com/office/drawing/2014/main" id="{E0F49257-2853-70EB-3431-9572C59A8EB8}"/>
               </a:ext>
             </a:extLst>
           </p:cNvPr>
@@ -1131,7 +1131,7 @@
           <a:bodyPr/>
           <a:lstStyle/>
           <a:p>
-            <a:fld id="{367FFC87-98CC-4447-8D56-307C423BCD1F}" type="datetimeFigureOut">
+            <a:fld id="{F0B1F429-D2AF-4B77-9ABD-FCFBC2150F79}" type="datetimeFigureOut">
               <a:rPr lang="zh-CN" altLang="en-US" smtClean="0"/>
               <a:t>2024/3/10</a:t>
             </a:fld>
@@ -1144,7 +1144,7 @@
           <p:cNvPr id="5" name="页脚占位符 4">
             <a:extLst>
               <a:ext uri="{FF2B5EF4-FFF2-40B4-BE49-F238E27FC236}">
-                <a16:creationId xmlns:a16="http://schemas.microsoft.com/office/drawing/2014/main" id="{F1034C2D-1FF5-2105-2BDA-825EB007E4B3}"/>
+                <a16:creationId xmlns:a16="http://schemas.microsoft.com/office/drawing/2014/main" id="{A484A34C-9C3F-5D31-DD7E-C64F477D38E7}"/>
               </a:ext>
             </a:extLst>
           </p:cNvPr>
@@ -1169,7 +1169,7 @@
           <p:cNvPr id="6" name="灯片编号占位符 5">
             <a:extLst>
               <a:ext uri="{FF2B5EF4-FFF2-40B4-BE49-F238E27FC236}">
-                <a16:creationId xmlns:a16="http://schemas.microsoft.com/office/drawing/2014/main" id="{7374081B-47E1-61A8-868F-73FAA8C462FB}"/>
+                <a16:creationId xmlns:a16="http://schemas.microsoft.com/office/drawing/2014/main" id="{ACF92AC6-66C3-2954-5291-2AB97D389880}"/>
               </a:ext>
             </a:extLst>
           </p:cNvPr>
@@ -1185,7 +1185,7 @@
           <a:bodyPr/>
           <a:lstStyle/>
           <a:p>
-            <a:fld id="{AB52CD0E-C3C4-440E-98A7-FF8B00F5F7BE}" type="slidenum">
+            <a:fld id="{CCDA8E74-FFEF-4BFD-A2E1-F82057340D12}" type="slidenum">
               <a:rPr lang="zh-CN" altLang="en-US" smtClean="0"/>
               <a:t>‹#›</a:t>
             </a:fld>
@@ -1196,7 +1196,7 @@
     </p:spTree>
     <p:extLst>
       <p:ext uri="{BB962C8B-B14F-4D97-AF65-F5344CB8AC3E}">
-        <p14:creationId xmlns:p14="http://schemas.microsoft.com/office/powerpoint/2010/main" val="3049238431"/>
+        <p14:creationId xmlns:p14="http://schemas.microsoft.com/office/powerpoint/2010/main" val="476423982"/>
       </p:ext>
     </p:extLst>
   </p:cSld>
@@ -1228,7 +1228,7 @@
           <p:cNvPr id="2" name="标题 1">
             <a:extLst>
               <a:ext uri="{FF2B5EF4-FFF2-40B4-BE49-F238E27FC236}">
-                <a16:creationId xmlns:a16="http://schemas.microsoft.com/office/drawing/2014/main" id="{42A16CF1-7B63-9C78-4766-799EAFED98F9}"/>
+                <a16:creationId xmlns:a16="http://schemas.microsoft.com/office/drawing/2014/main" id="{BABE828E-ECF7-DEB3-D0D3-265F15EAE7CE}"/>
               </a:ext>
             </a:extLst>
           </p:cNvPr>
@@ -1256,7 +1256,7 @@
           <p:cNvPr id="3" name="内容占位符 2">
             <a:extLst>
               <a:ext uri="{FF2B5EF4-FFF2-40B4-BE49-F238E27FC236}">
-                <a16:creationId xmlns:a16="http://schemas.microsoft.com/office/drawing/2014/main" id="{444FE519-3F8B-E1FA-0E14-78777F50BCB6}"/>
+                <a16:creationId xmlns:a16="http://schemas.microsoft.com/office/drawing/2014/main" id="{3CE27AC1-C732-50BA-0458-9672B84E1CED}"/>
               </a:ext>
             </a:extLst>
           </p:cNvPr>
@@ -1318,7 +1318,7 @@
           <p:cNvPr id="4" name="内容占位符 3">
             <a:extLst>
               <a:ext uri="{FF2B5EF4-FFF2-40B4-BE49-F238E27FC236}">
-                <a16:creationId xmlns:a16="http://schemas.microsoft.com/office/drawing/2014/main" id="{D844B88B-3DC0-DAE1-25A1-56D9729CDD24}"/>
+                <a16:creationId xmlns:a16="http://schemas.microsoft.com/office/drawing/2014/main" id="{13D05BAE-A0EE-CC8A-8332-F7A1CA90A1E8}"/>
               </a:ext>
             </a:extLst>
           </p:cNvPr>
@@ -1380,7 +1380,7 @@
           <p:cNvPr id="5" name="日期占位符 4">
             <a:extLst>
               <a:ext uri="{FF2B5EF4-FFF2-40B4-BE49-F238E27FC236}">
-                <a16:creationId xmlns:a16="http://schemas.microsoft.com/office/drawing/2014/main" id="{E5044A38-07D3-0837-961E-10BE14F79EFF}"/>
+                <a16:creationId xmlns:a16="http://schemas.microsoft.com/office/drawing/2014/main" id="{508E09B3-62B7-273C-4C2C-489CA28B5F68}"/>
               </a:ext>
             </a:extLst>
           </p:cNvPr>
@@ -1396,7 +1396,7 @@
           <a:bodyPr/>
           <a:lstStyle/>
           <a:p>
-            <a:fld id="{367FFC87-98CC-4447-8D56-307C423BCD1F}" type="datetimeFigureOut">
+            <a:fld id="{F0B1F429-D2AF-4B77-9ABD-FCFBC2150F79}" type="datetimeFigureOut">
               <a:rPr lang="zh-CN" altLang="en-US" smtClean="0"/>
               <a:t>2024/3/10</a:t>
             </a:fld>
@@ -1409,7 +1409,7 @@
           <p:cNvPr id="6" name="页脚占位符 5">
             <a:extLst>
               <a:ext uri="{FF2B5EF4-FFF2-40B4-BE49-F238E27FC236}">
-                <a16:creationId xmlns:a16="http://schemas.microsoft.com/office/drawing/2014/main" id="{A267EE48-9DBA-0EA7-661E-78992B4A0B15}"/>
+                <a16:creationId xmlns:a16="http://schemas.microsoft.com/office/drawing/2014/main" id="{403E8427-255F-3A17-25D6-28601074A854}"/>
               </a:ext>
             </a:extLst>
           </p:cNvPr>
@@ -1434,7 +1434,7 @@
           <p:cNvPr id="7" name="灯片编号占位符 6">
             <a:extLst>
               <a:ext uri="{FF2B5EF4-FFF2-40B4-BE49-F238E27FC236}">
-                <a16:creationId xmlns:a16="http://schemas.microsoft.com/office/drawing/2014/main" id="{22D96F1B-3265-F03A-546D-88F3F91625B1}"/>
+                <a16:creationId xmlns:a16="http://schemas.microsoft.com/office/drawing/2014/main" id="{50BE062F-F889-5C0C-9107-92BAC0FB0C5F}"/>
               </a:ext>
             </a:extLst>
           </p:cNvPr>
@@ -1450,7 +1450,7 @@
           <a:bodyPr/>
           <a:lstStyle/>
           <a:p>
-            <a:fld id="{AB52CD0E-C3C4-440E-98A7-FF8B00F5F7BE}" type="slidenum">
+            <a:fld id="{CCDA8E74-FFEF-4BFD-A2E1-F82057340D12}" type="slidenum">
               <a:rPr lang="zh-CN" altLang="en-US" smtClean="0"/>
               <a:t>‹#›</a:t>
             </a:fld>
@@ -1461,7 +1461,7 @@
     </p:spTree>
     <p:extLst>
       <p:ext uri="{BB962C8B-B14F-4D97-AF65-F5344CB8AC3E}">
-        <p14:creationId xmlns:p14="http://schemas.microsoft.com/office/powerpoint/2010/main" val="506267051"/>
+        <p14:creationId xmlns:p14="http://schemas.microsoft.com/office/powerpoint/2010/main" val="1073808021"/>
       </p:ext>
     </p:extLst>
   </p:cSld>
@@ -1493,7 +1493,7 @@
           <p:cNvPr id="2" name="标题 1">
             <a:extLst>
               <a:ext uri="{FF2B5EF4-FFF2-40B4-BE49-F238E27FC236}">
-                <a16:creationId xmlns:a16="http://schemas.microsoft.com/office/drawing/2014/main" id="{054EFBE1-8906-7AF5-9663-3137BB871DED}"/>
+                <a16:creationId xmlns:a16="http://schemas.microsoft.com/office/drawing/2014/main" id="{19E6914B-BEF5-D6BE-7006-BBB90A9D169B}"/>
               </a:ext>
             </a:extLst>
           </p:cNvPr>
@@ -1526,7 +1526,7 @@
           <p:cNvPr id="3" name="文本占位符 2">
             <a:extLst>
               <a:ext uri="{FF2B5EF4-FFF2-40B4-BE49-F238E27FC236}">
-                <a16:creationId xmlns:a16="http://schemas.microsoft.com/office/drawing/2014/main" id="{5439C9E1-5DFB-8813-D4D9-D3647FAD79BE}"/>
+                <a16:creationId xmlns:a16="http://schemas.microsoft.com/office/drawing/2014/main" id="{F332660E-270E-9A8F-46A3-126014505DAC}"/>
               </a:ext>
             </a:extLst>
           </p:cNvPr>
@@ -1597,7 +1597,7 @@
           <p:cNvPr id="4" name="内容占位符 3">
             <a:extLst>
               <a:ext uri="{FF2B5EF4-FFF2-40B4-BE49-F238E27FC236}">
-                <a16:creationId xmlns:a16="http://schemas.microsoft.com/office/drawing/2014/main" id="{B8D3457E-9BC6-107A-8864-C5A702B25E91}"/>
+                <a16:creationId xmlns:a16="http://schemas.microsoft.com/office/drawing/2014/main" id="{ACBA9A61-AE11-5CCE-F0EC-3FECC0BFC776}"/>
               </a:ext>
             </a:extLst>
           </p:cNvPr>
@@ -1659,7 +1659,7 @@
           <p:cNvPr id="5" name="文本占位符 4">
             <a:extLst>
               <a:ext uri="{FF2B5EF4-FFF2-40B4-BE49-F238E27FC236}">
-                <a16:creationId xmlns:a16="http://schemas.microsoft.com/office/drawing/2014/main" id="{380A3232-4957-6441-5DF3-EA63170C07E4}"/>
+                <a16:creationId xmlns:a16="http://schemas.microsoft.com/office/drawing/2014/main" id="{4B06A264-3D06-7A5F-C8F0-3A59860D5F1B}"/>
               </a:ext>
             </a:extLst>
           </p:cNvPr>
@@ -1730,7 +1730,7 @@
           <p:cNvPr id="6" name="内容占位符 5">
             <a:extLst>
               <a:ext uri="{FF2B5EF4-FFF2-40B4-BE49-F238E27FC236}">
-                <a16:creationId xmlns:a16="http://schemas.microsoft.com/office/drawing/2014/main" id="{4A26DB91-8CB9-A63A-99FB-4D7E61295577}"/>
+                <a16:creationId xmlns:a16="http://schemas.microsoft.com/office/drawing/2014/main" id="{BE14D4E7-F7DB-8D13-E40A-8C5670BFF411}"/>
               </a:ext>
             </a:extLst>
           </p:cNvPr>
@@ -1792,7 +1792,7 @@
           <p:cNvPr id="7" name="日期占位符 6">
             <a:extLst>
               <a:ext uri="{FF2B5EF4-FFF2-40B4-BE49-F238E27FC236}">
-                <a16:creationId xmlns:a16="http://schemas.microsoft.com/office/drawing/2014/main" id="{4E82B74C-83A7-E75A-6560-FCCD7F67E8AA}"/>
+                <a16:creationId xmlns:a16="http://schemas.microsoft.com/office/drawing/2014/main" id="{4DBC6FD5-5B1F-AB40-25B8-4F513028B5FD}"/>
               </a:ext>
             </a:extLst>
           </p:cNvPr>
@@ -1808,7 +1808,7 @@
           <a:bodyPr/>
           <a:lstStyle/>
           <a:p>
-            <a:fld id="{367FFC87-98CC-4447-8D56-307C423BCD1F}" type="datetimeFigureOut">
+            <a:fld id="{F0B1F429-D2AF-4B77-9ABD-FCFBC2150F79}" type="datetimeFigureOut">
               <a:rPr lang="zh-CN" altLang="en-US" smtClean="0"/>
               <a:t>2024/3/10</a:t>
             </a:fld>
@@ -1821,7 +1821,7 @@
           <p:cNvPr id="8" name="页脚占位符 7">
             <a:extLst>
               <a:ext uri="{FF2B5EF4-FFF2-40B4-BE49-F238E27FC236}">
-                <a16:creationId xmlns:a16="http://schemas.microsoft.com/office/drawing/2014/main" id="{6DD25DB9-9C9B-E343-7F23-4B59B69C7DFD}"/>
+                <a16:creationId xmlns:a16="http://schemas.microsoft.com/office/drawing/2014/main" id="{C557DB5A-BE91-826A-703F-F5EBA87ADC37}"/>
               </a:ext>
             </a:extLst>
           </p:cNvPr>
@@ -1846,7 +1846,7 @@
           <p:cNvPr id="9" name="灯片编号占位符 8">
             <a:extLst>
               <a:ext uri="{FF2B5EF4-FFF2-40B4-BE49-F238E27FC236}">
-                <a16:creationId xmlns:a16="http://schemas.microsoft.com/office/drawing/2014/main" id="{A2C7B0EA-A112-E183-EB53-88C4BF778DEC}"/>
+                <a16:creationId xmlns:a16="http://schemas.microsoft.com/office/drawing/2014/main" id="{896E3633-C235-0CE7-48AA-E2EE8AD1FB8C}"/>
               </a:ext>
             </a:extLst>
           </p:cNvPr>
@@ -1862,7 +1862,7 @@
           <a:bodyPr/>
           <a:lstStyle/>
           <a:p>
-            <a:fld id="{AB52CD0E-C3C4-440E-98A7-FF8B00F5F7BE}" type="slidenum">
+            <a:fld id="{CCDA8E74-FFEF-4BFD-A2E1-F82057340D12}" type="slidenum">
               <a:rPr lang="zh-CN" altLang="en-US" smtClean="0"/>
               <a:t>‹#›</a:t>
             </a:fld>
@@ -1873,7 +1873,7 @@
     </p:spTree>
     <p:extLst>
       <p:ext uri="{BB962C8B-B14F-4D97-AF65-F5344CB8AC3E}">
-        <p14:creationId xmlns:p14="http://schemas.microsoft.com/office/powerpoint/2010/main" val="3241924607"/>
+        <p14:creationId xmlns:p14="http://schemas.microsoft.com/office/powerpoint/2010/main" val="4049974898"/>
       </p:ext>
     </p:extLst>
   </p:cSld>
@@ -1905,7 +1905,7 @@
           <p:cNvPr id="2" name="标题 1">
             <a:extLst>
               <a:ext uri="{FF2B5EF4-FFF2-40B4-BE49-F238E27FC236}">
-                <a16:creationId xmlns:a16="http://schemas.microsoft.com/office/drawing/2014/main" id="{34764397-5A3D-DE19-4B46-B95AAE992B66}"/>
+                <a16:creationId xmlns:a16="http://schemas.microsoft.com/office/drawing/2014/main" id="{6C48A981-3430-AC95-C2AA-C5C7E1BE7ECA}"/>
               </a:ext>
             </a:extLst>
           </p:cNvPr>
@@ -1933,7 +1933,7 @@
           <p:cNvPr id="3" name="日期占位符 2">
             <a:extLst>
               <a:ext uri="{FF2B5EF4-FFF2-40B4-BE49-F238E27FC236}">
-                <a16:creationId xmlns:a16="http://schemas.microsoft.com/office/drawing/2014/main" id="{33A06ACD-79E5-F76C-D617-DB669E6C83B2}"/>
+                <a16:creationId xmlns:a16="http://schemas.microsoft.com/office/drawing/2014/main" id="{B7718699-24D0-CF3C-E67D-8350D244D21F}"/>
               </a:ext>
             </a:extLst>
           </p:cNvPr>
@@ -1949,7 +1949,7 @@
           <a:bodyPr/>
           <a:lstStyle/>
           <a:p>
-            <a:fld id="{367FFC87-98CC-4447-8D56-307C423BCD1F}" type="datetimeFigureOut">
+            <a:fld id="{F0B1F429-D2AF-4B77-9ABD-FCFBC2150F79}" type="datetimeFigureOut">
               <a:rPr lang="zh-CN" altLang="en-US" smtClean="0"/>
               <a:t>2024/3/10</a:t>
             </a:fld>
@@ -1962,7 +1962,7 @@
           <p:cNvPr id="4" name="页脚占位符 3">
             <a:extLst>
               <a:ext uri="{FF2B5EF4-FFF2-40B4-BE49-F238E27FC236}">
-                <a16:creationId xmlns:a16="http://schemas.microsoft.com/office/drawing/2014/main" id="{38E6EA62-97F8-8328-6F9D-541D4B4EE482}"/>
+                <a16:creationId xmlns:a16="http://schemas.microsoft.com/office/drawing/2014/main" id="{4023415A-D752-B154-A59C-676EEFC9BF93}"/>
               </a:ext>
             </a:extLst>
           </p:cNvPr>
@@ -1987,7 +1987,7 @@
           <p:cNvPr id="5" name="灯片编号占位符 4">
             <a:extLst>
               <a:ext uri="{FF2B5EF4-FFF2-40B4-BE49-F238E27FC236}">
-                <a16:creationId xmlns:a16="http://schemas.microsoft.com/office/drawing/2014/main" id="{010B4CD4-00E5-D5ED-E11C-92DDCAC3578D}"/>
+                <a16:creationId xmlns:a16="http://schemas.microsoft.com/office/drawing/2014/main" id="{C4AEBE02-3C17-2894-588A-720A118323A7}"/>
               </a:ext>
             </a:extLst>
           </p:cNvPr>
@@ -2003,7 +2003,7 @@
           <a:bodyPr/>
           <a:lstStyle/>
           <a:p>
-            <a:fld id="{AB52CD0E-C3C4-440E-98A7-FF8B00F5F7BE}" type="slidenum">
+            <a:fld id="{CCDA8E74-FFEF-4BFD-A2E1-F82057340D12}" type="slidenum">
               <a:rPr lang="zh-CN" altLang="en-US" smtClean="0"/>
               <a:t>‹#›</a:t>
             </a:fld>
@@ -2014,7 +2014,7 @@
     </p:spTree>
     <p:extLst>
       <p:ext uri="{BB962C8B-B14F-4D97-AF65-F5344CB8AC3E}">
-        <p14:creationId xmlns:p14="http://schemas.microsoft.com/office/powerpoint/2010/main" val="2724051206"/>
+        <p14:creationId xmlns:p14="http://schemas.microsoft.com/office/powerpoint/2010/main" val="1441586355"/>
       </p:ext>
     </p:extLst>
   </p:cSld>
@@ -2046,7 +2046,7 @@
           <p:cNvPr id="2" name="日期占位符 1">
             <a:extLst>
               <a:ext uri="{FF2B5EF4-FFF2-40B4-BE49-F238E27FC236}">
-                <a16:creationId xmlns:a16="http://schemas.microsoft.com/office/drawing/2014/main" id="{5A7328F0-60E9-CCCE-B09E-E04ECE5DDF12}"/>
+                <a16:creationId xmlns:a16="http://schemas.microsoft.com/office/drawing/2014/main" id="{9A68B313-1F4D-303F-4B84-2D63580E5E5D}"/>
               </a:ext>
             </a:extLst>
           </p:cNvPr>
@@ -2062,7 +2062,7 @@
           <a:bodyPr/>
           <a:lstStyle/>
           <a:p>
-            <a:fld id="{367FFC87-98CC-4447-8D56-307C423BCD1F}" type="datetimeFigureOut">
+            <a:fld id="{F0B1F429-D2AF-4B77-9ABD-FCFBC2150F79}" type="datetimeFigureOut">
               <a:rPr lang="zh-CN" altLang="en-US" smtClean="0"/>
               <a:t>2024/3/10</a:t>
             </a:fld>
@@ -2075,7 +2075,7 @@
           <p:cNvPr id="3" name="页脚占位符 2">
             <a:extLst>
               <a:ext uri="{FF2B5EF4-FFF2-40B4-BE49-F238E27FC236}">
-                <a16:creationId xmlns:a16="http://schemas.microsoft.com/office/drawing/2014/main" id="{C6F3922B-B115-6EFB-A560-9C5FACC47CAE}"/>
+                <a16:creationId xmlns:a16="http://schemas.microsoft.com/office/drawing/2014/main" id="{0100E947-661D-050B-9D12-BD8050AF2413}"/>
               </a:ext>
             </a:extLst>
           </p:cNvPr>
@@ -2100,7 +2100,7 @@
           <p:cNvPr id="4" name="灯片编号占位符 3">
             <a:extLst>
               <a:ext uri="{FF2B5EF4-FFF2-40B4-BE49-F238E27FC236}">
-                <a16:creationId xmlns:a16="http://schemas.microsoft.com/office/drawing/2014/main" id="{2140FF83-83CA-DA46-8D27-9EA3D3DB7EDE}"/>
+                <a16:creationId xmlns:a16="http://schemas.microsoft.com/office/drawing/2014/main" id="{24F36CF1-DBDF-4B82-C7DE-6E43507A1D64}"/>
               </a:ext>
             </a:extLst>
           </p:cNvPr>
@@ -2116,7 +2116,7 @@
           <a:bodyPr/>
           <a:lstStyle/>
           <a:p>
-            <a:fld id="{AB52CD0E-C3C4-440E-98A7-FF8B00F5F7BE}" type="slidenum">
+            <a:fld id="{CCDA8E74-FFEF-4BFD-A2E1-F82057340D12}" type="slidenum">
               <a:rPr lang="zh-CN" altLang="en-US" smtClean="0"/>
               <a:t>‹#›</a:t>
             </a:fld>
@@ -2127,7 +2127,7 @@
     </p:spTree>
     <p:extLst>
       <p:ext uri="{BB962C8B-B14F-4D97-AF65-F5344CB8AC3E}">
-        <p14:creationId xmlns:p14="http://schemas.microsoft.com/office/powerpoint/2010/main" val="3022651805"/>
+        <p14:creationId xmlns:p14="http://schemas.microsoft.com/office/powerpoint/2010/main" val="1767023434"/>
       </p:ext>
     </p:extLst>
   </p:cSld>
@@ -2159,7 +2159,7 @@
           <p:cNvPr id="2" name="标题 1">
             <a:extLst>
               <a:ext uri="{FF2B5EF4-FFF2-40B4-BE49-F238E27FC236}">
-                <a16:creationId xmlns:a16="http://schemas.microsoft.com/office/drawing/2014/main" id="{61227915-8997-E554-5437-D5B87C851EF8}"/>
+                <a16:creationId xmlns:a16="http://schemas.microsoft.com/office/drawing/2014/main" id="{684C446F-62AA-499F-C47E-A47D99D824DA}"/>
               </a:ext>
             </a:extLst>
           </p:cNvPr>
@@ -2196,7 +2196,7 @@
           <p:cNvPr id="3" name="内容占位符 2">
             <a:extLst>
               <a:ext uri="{FF2B5EF4-FFF2-40B4-BE49-F238E27FC236}">
-                <a16:creationId xmlns:a16="http://schemas.microsoft.com/office/drawing/2014/main" id="{5BD79F5D-3364-14F8-4E57-9C5476372C4B}"/>
+                <a16:creationId xmlns:a16="http://schemas.microsoft.com/office/drawing/2014/main" id="{46925D34-5F01-3AF1-707D-74C1F1C46125}"/>
               </a:ext>
             </a:extLst>
           </p:cNvPr>
@@ -2286,7 +2286,7 @@
           <p:cNvPr id="4" name="文本占位符 3">
             <a:extLst>
               <a:ext uri="{FF2B5EF4-FFF2-40B4-BE49-F238E27FC236}">
-                <a16:creationId xmlns:a16="http://schemas.microsoft.com/office/drawing/2014/main" id="{22CE7A19-18D3-5A52-BF6C-E3B2D7155ADE}"/>
+                <a16:creationId xmlns:a16="http://schemas.microsoft.com/office/drawing/2014/main" id="{904C7B35-16CC-F601-DAD3-AF82E8F310C9}"/>
               </a:ext>
             </a:extLst>
           </p:cNvPr>
@@ -2357,7 +2357,7 @@
           <p:cNvPr id="5" name="日期占位符 4">
             <a:extLst>
               <a:ext uri="{FF2B5EF4-FFF2-40B4-BE49-F238E27FC236}">
-                <a16:creationId xmlns:a16="http://schemas.microsoft.com/office/drawing/2014/main" id="{8AD06182-FF1D-106F-3E83-2D0D8939ADE1}"/>
+                <a16:creationId xmlns:a16="http://schemas.microsoft.com/office/drawing/2014/main" id="{61C5F5D0-2862-ED28-4E15-A24DF7EDF7DA}"/>
               </a:ext>
             </a:extLst>
           </p:cNvPr>
@@ -2373,7 +2373,7 @@
           <a:bodyPr/>
           <a:lstStyle/>
           <a:p>
-            <a:fld id="{367FFC87-98CC-4447-8D56-307C423BCD1F}" type="datetimeFigureOut">
+            <a:fld id="{F0B1F429-D2AF-4B77-9ABD-FCFBC2150F79}" type="datetimeFigureOut">
               <a:rPr lang="zh-CN" altLang="en-US" smtClean="0"/>
               <a:t>2024/3/10</a:t>
             </a:fld>
@@ -2386,7 +2386,7 @@
           <p:cNvPr id="6" name="页脚占位符 5">
             <a:extLst>
               <a:ext uri="{FF2B5EF4-FFF2-40B4-BE49-F238E27FC236}">
-                <a16:creationId xmlns:a16="http://schemas.microsoft.com/office/drawing/2014/main" id="{EDC26537-D49F-B7D5-64CB-5E18F7E2BA19}"/>
+                <a16:creationId xmlns:a16="http://schemas.microsoft.com/office/drawing/2014/main" id="{A7FDCAE0-7B17-8FAD-8965-51C58804F506}"/>
               </a:ext>
             </a:extLst>
           </p:cNvPr>
@@ -2411,7 +2411,7 @@
           <p:cNvPr id="7" name="灯片编号占位符 6">
             <a:extLst>
               <a:ext uri="{FF2B5EF4-FFF2-40B4-BE49-F238E27FC236}">
-                <a16:creationId xmlns:a16="http://schemas.microsoft.com/office/drawing/2014/main" id="{823EA988-7CD8-1242-C66C-E71EBB732BA8}"/>
+                <a16:creationId xmlns:a16="http://schemas.microsoft.com/office/drawing/2014/main" id="{CFFA3FB0-2510-DF47-FC81-97CDBBB2CB42}"/>
               </a:ext>
             </a:extLst>
           </p:cNvPr>
@@ -2427,7 +2427,7 @@
           <a:bodyPr/>
           <a:lstStyle/>
           <a:p>
-            <a:fld id="{AB52CD0E-C3C4-440E-98A7-FF8B00F5F7BE}" type="slidenum">
+            <a:fld id="{CCDA8E74-FFEF-4BFD-A2E1-F82057340D12}" type="slidenum">
               <a:rPr lang="zh-CN" altLang="en-US" smtClean="0"/>
               <a:t>‹#›</a:t>
             </a:fld>
@@ -2438,7 +2438,7 @@
     </p:spTree>
     <p:extLst>
       <p:ext uri="{BB962C8B-B14F-4D97-AF65-F5344CB8AC3E}">
-        <p14:creationId xmlns:p14="http://schemas.microsoft.com/office/powerpoint/2010/main" val="2232571059"/>
+        <p14:creationId xmlns:p14="http://schemas.microsoft.com/office/powerpoint/2010/main" val="3355048566"/>
       </p:ext>
     </p:extLst>
   </p:cSld>
@@ -2470,7 +2470,7 @@
           <p:cNvPr id="2" name="标题 1">
             <a:extLst>
               <a:ext uri="{FF2B5EF4-FFF2-40B4-BE49-F238E27FC236}">
-                <a16:creationId xmlns:a16="http://schemas.microsoft.com/office/drawing/2014/main" id="{D29A8A43-8E80-0153-D746-44DD7F8AC5A5}"/>
+                <a16:creationId xmlns:a16="http://schemas.microsoft.com/office/drawing/2014/main" id="{908C4081-1CD6-098F-56ED-99711A0269D5}"/>
               </a:ext>
             </a:extLst>
           </p:cNvPr>
@@ -2507,7 +2507,7 @@
           <p:cNvPr id="3" name="图片占位符 2">
             <a:extLst>
               <a:ext uri="{FF2B5EF4-FFF2-40B4-BE49-F238E27FC236}">
-                <a16:creationId xmlns:a16="http://schemas.microsoft.com/office/drawing/2014/main" id="{F22150FB-FA93-1C45-D4E6-8D1FD66ED9AF}"/>
+                <a16:creationId xmlns:a16="http://schemas.microsoft.com/office/drawing/2014/main" id="{5DF16495-0233-4C94-C193-5E7E81FB3921}"/>
               </a:ext>
             </a:extLst>
           </p:cNvPr>
@@ -2574,7 +2574,7 @@
           <p:cNvPr id="4" name="文本占位符 3">
             <a:extLst>
               <a:ext uri="{FF2B5EF4-FFF2-40B4-BE49-F238E27FC236}">
-                <a16:creationId xmlns:a16="http://schemas.microsoft.com/office/drawing/2014/main" id="{8625FE5C-4308-A8F3-E08C-9D27DFF1DF0F}"/>
+                <a16:creationId xmlns:a16="http://schemas.microsoft.com/office/drawing/2014/main" id="{BFD13D50-90D4-7BE6-5879-EF30F3950527}"/>
               </a:ext>
             </a:extLst>
           </p:cNvPr>
@@ -2645,7 +2645,7 @@
           <p:cNvPr id="5" name="日期占位符 4">
             <a:extLst>
               <a:ext uri="{FF2B5EF4-FFF2-40B4-BE49-F238E27FC236}">
-                <a16:creationId xmlns:a16="http://schemas.microsoft.com/office/drawing/2014/main" id="{FF4945E9-382A-A722-3643-1ADE92620E64}"/>
+                <a16:creationId xmlns:a16="http://schemas.microsoft.com/office/drawing/2014/main" id="{14749A8E-3960-D8EB-9085-3DD629918155}"/>
               </a:ext>
             </a:extLst>
           </p:cNvPr>
@@ -2661,7 +2661,7 @@
           <a:bodyPr/>
           <a:lstStyle/>
           <a:p>
-            <a:fld id="{367FFC87-98CC-4447-8D56-307C423BCD1F}" type="datetimeFigureOut">
+            <a:fld id="{F0B1F429-D2AF-4B77-9ABD-FCFBC2150F79}" type="datetimeFigureOut">
               <a:rPr lang="zh-CN" altLang="en-US" smtClean="0"/>
               <a:t>2024/3/10</a:t>
             </a:fld>
@@ -2674,7 +2674,7 @@
           <p:cNvPr id="6" name="页脚占位符 5">
             <a:extLst>
               <a:ext uri="{FF2B5EF4-FFF2-40B4-BE49-F238E27FC236}">
-                <a16:creationId xmlns:a16="http://schemas.microsoft.com/office/drawing/2014/main" id="{E6516E1F-F445-B354-E27E-9975A63B09EC}"/>
+                <a16:creationId xmlns:a16="http://schemas.microsoft.com/office/drawing/2014/main" id="{E6E43B82-D5ED-AFB3-2B4C-64C36505A064}"/>
               </a:ext>
             </a:extLst>
           </p:cNvPr>
@@ -2699,7 +2699,7 @@
           <p:cNvPr id="7" name="灯片编号占位符 6">
             <a:extLst>
               <a:ext uri="{FF2B5EF4-FFF2-40B4-BE49-F238E27FC236}">
-                <a16:creationId xmlns:a16="http://schemas.microsoft.com/office/drawing/2014/main" id="{BA55FF59-C341-BB30-AD72-2397889A95C9}"/>
+                <a16:creationId xmlns:a16="http://schemas.microsoft.com/office/drawing/2014/main" id="{6D192A8E-8661-785B-AA0D-87FA49FFE860}"/>
               </a:ext>
             </a:extLst>
           </p:cNvPr>
@@ -2715,7 +2715,7 @@
           <a:bodyPr/>
           <a:lstStyle/>
           <a:p>
-            <a:fld id="{AB52CD0E-C3C4-440E-98A7-FF8B00F5F7BE}" type="slidenum">
+            <a:fld id="{CCDA8E74-FFEF-4BFD-A2E1-F82057340D12}" type="slidenum">
               <a:rPr lang="zh-CN" altLang="en-US" smtClean="0"/>
               <a:t>‹#›</a:t>
             </a:fld>
@@ -2726,7 +2726,7 @@
     </p:spTree>
     <p:extLst>
       <p:ext uri="{BB962C8B-B14F-4D97-AF65-F5344CB8AC3E}">
-        <p14:creationId xmlns:p14="http://schemas.microsoft.com/office/powerpoint/2010/main" val="1507263311"/>
+        <p14:creationId xmlns:p14="http://schemas.microsoft.com/office/powerpoint/2010/main" val="4206855712"/>
       </p:ext>
     </p:extLst>
   </p:cSld>
@@ -2763,7 +2763,7 @@
           <p:cNvPr id="2" name="标题占位符 1">
             <a:extLst>
               <a:ext uri="{FF2B5EF4-FFF2-40B4-BE49-F238E27FC236}">
-                <a16:creationId xmlns:a16="http://schemas.microsoft.com/office/drawing/2014/main" id="{37ED9A8F-52F5-59FA-8B02-36A5BBC8AA00}"/>
+                <a16:creationId xmlns:a16="http://schemas.microsoft.com/office/drawing/2014/main" id="{EF823BE0-4B2F-5622-D176-7E7B4BB48378}"/>
               </a:ext>
             </a:extLst>
           </p:cNvPr>
@@ -2801,7 +2801,7 @@
           <p:cNvPr id="3" name="文本占位符 2">
             <a:extLst>
               <a:ext uri="{FF2B5EF4-FFF2-40B4-BE49-F238E27FC236}">
-                <a16:creationId xmlns:a16="http://schemas.microsoft.com/office/drawing/2014/main" id="{A9A300B9-1C4F-60F1-4B7E-600FD869A652}"/>
+                <a16:creationId xmlns:a16="http://schemas.microsoft.com/office/drawing/2014/main" id="{5E0FCECB-6196-F215-81BA-326EA826D584}"/>
               </a:ext>
             </a:extLst>
           </p:cNvPr>
@@ -2868,7 +2868,7 @@
           <p:cNvPr id="4" name="日期占位符 3">
             <a:extLst>
               <a:ext uri="{FF2B5EF4-FFF2-40B4-BE49-F238E27FC236}">
-                <a16:creationId xmlns:a16="http://schemas.microsoft.com/office/drawing/2014/main" id="{138E91DF-7F3B-3B6C-2DC5-989B0BB5E731}"/>
+                <a16:creationId xmlns:a16="http://schemas.microsoft.com/office/drawing/2014/main" id="{F91348AC-11CB-521B-7220-2FB1783527F4}"/>
               </a:ext>
             </a:extLst>
           </p:cNvPr>
@@ -2902,7 +2902,7 @@
             </a:lvl1pPr>
           </a:lstStyle>
           <a:p>
-            <a:fld id="{367FFC87-98CC-4447-8D56-307C423BCD1F}" type="datetimeFigureOut">
+            <a:fld id="{F0B1F429-D2AF-4B77-9ABD-FCFBC2150F79}" type="datetimeFigureOut">
               <a:rPr lang="zh-CN" altLang="en-US" smtClean="0"/>
               <a:t>2024/3/10</a:t>
             </a:fld>
@@ -2915,7 +2915,7 @@
           <p:cNvPr id="5" name="页脚占位符 4">
             <a:extLst>
               <a:ext uri="{FF2B5EF4-FFF2-40B4-BE49-F238E27FC236}">
-                <a16:creationId xmlns:a16="http://schemas.microsoft.com/office/drawing/2014/main" id="{75B8179F-9072-860C-15B5-C44557B7D4BE}"/>
+                <a16:creationId xmlns:a16="http://schemas.microsoft.com/office/drawing/2014/main" id="{5923F59D-521A-D970-49E6-8938ED51E5A0}"/>
               </a:ext>
             </a:extLst>
           </p:cNvPr>
@@ -2958,7 +2958,7 @@
           <p:cNvPr id="6" name="灯片编号占位符 5">
             <a:extLst>
               <a:ext uri="{FF2B5EF4-FFF2-40B4-BE49-F238E27FC236}">
-                <a16:creationId xmlns:a16="http://schemas.microsoft.com/office/drawing/2014/main" id="{81924793-FC36-2D3E-33E1-E708C7856C9E}"/>
+                <a16:creationId xmlns:a16="http://schemas.microsoft.com/office/drawing/2014/main" id="{7ABAE374-7DA9-97B0-75F6-9EE7A8A2704B}"/>
               </a:ext>
             </a:extLst>
           </p:cNvPr>
@@ -2992,7 +2992,7 @@
             </a:lvl1pPr>
           </a:lstStyle>
           <a:p>
-            <a:fld id="{AB52CD0E-C3C4-440E-98A7-FF8B00F5F7BE}" type="slidenum">
+            <a:fld id="{CCDA8E74-FFEF-4BFD-A2E1-F82057340D12}" type="slidenum">
               <a:rPr lang="zh-CN" altLang="en-US" smtClean="0"/>
               <a:t>‹#›</a:t>
             </a:fld>
@@ -3003,7 +3003,7 @@
     </p:spTree>
     <p:extLst>
       <p:ext uri="{BB962C8B-B14F-4D97-AF65-F5344CB8AC3E}">
-        <p14:creationId xmlns:p14="http://schemas.microsoft.com/office/powerpoint/2010/main" val="4065931020"/>
+        <p14:creationId xmlns:p14="http://schemas.microsoft.com/office/powerpoint/2010/main" val="940262217"/>
       </p:ext>
     </p:extLst>
   </p:cSld>
@@ -3323,7 +3323,7 @@
       </p:grpSpPr>
       <p:pic>
         <p:nvPicPr>
-          <p:cNvPr id="239618" name="Picture 2" descr="233"/>
+          <p:cNvPr id="240642" name="Picture 2" descr="234"/>
           <p:cNvPicPr>
             <a:picLocks noChangeAspect="1" noChangeArrowheads="1"/>
           </p:cNvPicPr>
